--- a/BP.pptx
+++ b/BP.pptx
@@ -5,20 +5,19 @@
     <p:sldMasterId id="2147483677" r:id="rId1"/>
   </p:sldMasterIdLst>
   <p:notesMasterIdLst>
-    <p:notesMasterId r:id="rId13"/>
+    <p:notesMasterId r:id="rId12"/>
   </p:notesMasterIdLst>
   <p:sldIdLst>
     <p:sldId id="256" r:id="rId2"/>
-    <p:sldId id="264" r:id="rId3"/>
-    <p:sldId id="257" r:id="rId4"/>
-    <p:sldId id="258" r:id="rId5"/>
-    <p:sldId id="259" r:id="rId6"/>
-    <p:sldId id="260" r:id="rId7"/>
-    <p:sldId id="261" r:id="rId8"/>
-    <p:sldId id="262" r:id="rId9"/>
-    <p:sldId id="265" r:id="rId10"/>
-    <p:sldId id="263" r:id="rId11"/>
-    <p:sldId id="266" r:id="rId12"/>
+    <p:sldId id="257" r:id="rId3"/>
+    <p:sldId id="264" r:id="rId4"/>
+    <p:sldId id="259" r:id="rId5"/>
+    <p:sldId id="260" r:id="rId6"/>
+    <p:sldId id="261" r:id="rId7"/>
+    <p:sldId id="262" r:id="rId8"/>
+    <p:sldId id="265" r:id="rId9"/>
+    <p:sldId id="263" r:id="rId10"/>
+    <p:sldId id="266" r:id="rId11"/>
   </p:sldIdLst>
   <p:sldSz cx="12192000" cy="6858000"/>
   <p:notesSz cx="6858000" cy="9144000"/>
@@ -207,7 +206,7 @@
           <a:p>
             <a:fld id="{02FAD3B7-D4AF-4F01-9EC9-B780D7E3ACAA}" type="datetimeFigureOut">
               <a:rPr lang="hr-HR" smtClean="0"/>
-              <a:t>27.3.2015.</a:t>
+              <a:t>17.4.2015.</a:t>
             </a:fld>
             <a:endParaRPr lang="hr-HR"/>
           </a:p>
@@ -519,6 +518,44 @@
           <a:bodyPr/>
           <a:lstStyle/>
           <a:p>
+            <a:pPr marL="228600" indent="-228600">
+              <a:buAutoNum type="arabicPeriod"/>
+            </a:pPr>
+            <a:r>
+              <a:rPr lang="hr-HR" dirty="0" smtClean="0"/>
+              <a:t>Dvije tablice za role</a:t>
+            </a:r>
+          </a:p>
+          <a:p>
+            <a:pPr marL="228600" indent="-228600">
+              <a:buAutoNum type="arabicPeriod"/>
+            </a:pPr>
+            <a:r>
+              <a:rPr lang="hr-HR" dirty="0" err="1" smtClean="0"/>
+              <a:t>Claimovi</a:t>
+            </a:r>
+            <a:r>
+              <a:rPr lang="hr-HR" baseline="0" dirty="0" smtClean="0"/>
+              <a:t> – korisni za vanjski login – neću koristiti</a:t>
+            </a:r>
+          </a:p>
+          <a:p>
+            <a:pPr marL="228600" indent="-228600">
+              <a:buAutoNum type="arabicPeriod"/>
+            </a:pPr>
+            <a:r>
+              <a:rPr lang="hr-HR" dirty="0" err="1" smtClean="0"/>
+              <a:t>User</a:t>
+            </a:r>
+            <a:r>
+              <a:rPr lang="hr-HR" dirty="0" smtClean="0"/>
+              <a:t> Login – nisam siguran – slabo dokumentirano</a:t>
+            </a:r>
+          </a:p>
+          <a:p>
+            <a:pPr marL="0" indent="0">
+              <a:buNone/>
+            </a:pPr>
             <a:endParaRPr lang="hr-HR" dirty="0"/>
           </a:p>
         </p:txBody>
@@ -549,7 +586,7 @@
     </p:spTree>
     <p:extLst>
       <p:ext uri="{BB962C8B-B14F-4D97-AF65-F5344CB8AC3E}">
-        <p14:creationId xmlns:p14="http://schemas.microsoft.com/office/powerpoint/2010/main" val="4107401260"/>
+        <p14:creationId xmlns:p14="http://schemas.microsoft.com/office/powerpoint/2010/main" val="2099087253"/>
       </p:ext>
     </p:extLst>
   </p:cSld>
@@ -607,8 +644,8 @@
               <a:buAutoNum type="arabicPeriod"/>
             </a:pPr>
             <a:r>
-              <a:rPr lang="hr-HR" dirty="0" smtClean="0"/>
-              <a:t>Dvije tablice za role</a:t>
+              <a:rPr lang="hr-HR" baseline="0" dirty="0" smtClean="0"/>
+              <a:t>Korisnik definira trgovinu</a:t>
             </a:r>
           </a:p>
           <a:p>
@@ -616,12 +653,8 @@
               <a:buAutoNum type="arabicPeriod"/>
             </a:pPr>
             <a:r>
-              <a:rPr lang="hr-HR" dirty="0" err="1" smtClean="0"/>
-              <a:t>Claimovi</a:t>
-            </a:r>
-            <a:r>
               <a:rPr lang="hr-HR" baseline="0" dirty="0" smtClean="0"/>
-              <a:t> – korisni za vanjski login – neću koristiti</a:t>
+              <a:t>Trgovina može definirati stil – inače osnovni</a:t>
             </a:r>
           </a:p>
           <a:p>
@@ -629,12 +662,8 @@
               <a:buAutoNum type="arabicPeriod"/>
             </a:pPr>
             <a:r>
-              <a:rPr lang="hr-HR" dirty="0" err="1" smtClean="0"/>
-              <a:t>User</a:t>
-            </a:r>
-            <a:r>
-              <a:rPr lang="hr-HR" dirty="0" smtClean="0"/>
-              <a:t> Login – nisam siguran – slabo dokumentirano</a:t>
+              <a:rPr lang="hr-HR" baseline="0" dirty="0" smtClean="0"/>
+              <a:t>Izbor slike – spremanje na disk</a:t>
             </a:r>
           </a:p>
           <a:p>
@@ -671,7 +700,7 @@
     </p:spTree>
     <p:extLst>
       <p:ext uri="{BB962C8B-B14F-4D97-AF65-F5344CB8AC3E}">
-        <p14:creationId xmlns:p14="http://schemas.microsoft.com/office/powerpoint/2010/main" val="2099087253"/>
+        <p14:creationId xmlns:p14="http://schemas.microsoft.com/office/powerpoint/2010/main" val="97437912"/>
       </p:ext>
     </p:extLst>
   </p:cSld>
@@ -729,8 +758,12 @@
               <a:buAutoNum type="arabicPeriod"/>
             </a:pPr>
             <a:r>
+              <a:rPr lang="hr-HR" dirty="0" smtClean="0"/>
+              <a:t>Definicija kategorija</a:t>
+            </a:r>
+            <a:r>
               <a:rPr lang="hr-HR" baseline="0" dirty="0" smtClean="0"/>
-              <a:t>Korisnik definira trgovinu</a:t>
+              <a:t> – prikaz i pretraga</a:t>
             </a:r>
           </a:p>
           <a:p>
@@ -739,7 +772,7 @@
             </a:pPr>
             <a:r>
               <a:rPr lang="hr-HR" baseline="0" dirty="0" smtClean="0"/>
-              <a:t>Trgovina može definirati stil – inače osnovni</a:t>
+              <a:t>Dodavanje oglasa</a:t>
             </a:r>
           </a:p>
           <a:p>
@@ -748,14 +781,41 @@
             </a:pPr>
             <a:r>
               <a:rPr lang="hr-HR" baseline="0" dirty="0" smtClean="0"/>
-              <a:t>Izbor slike – spremanje na disk</a:t>
+              <a:t>Naručivanje – kreira se košarica</a:t>
+            </a:r>
+          </a:p>
+          <a:p>
+            <a:pPr marL="228600" indent="-228600">
+              <a:buAutoNum type="arabicPeriod"/>
+            </a:pPr>
+            <a:r>
+              <a:rPr lang="hr-HR" baseline="0" dirty="0" smtClean="0"/>
+              <a:t>Dodavanje narudžbi</a:t>
+            </a:r>
+          </a:p>
+          <a:p>
+            <a:pPr marL="228600" indent="-228600">
+              <a:buAutoNum type="arabicPeriod"/>
+            </a:pPr>
+            <a:r>
+              <a:rPr lang="hr-HR" baseline="0" dirty="0" smtClean="0"/>
+              <a:t>Samo reg. Korisnici kupuju</a:t>
+            </a:r>
+          </a:p>
+          <a:p>
+            <a:pPr marL="228600" indent="-228600">
+              <a:buAutoNum type="arabicPeriod"/>
+            </a:pPr>
+            <a:r>
+              <a:rPr lang="hr-HR" baseline="0" dirty="0" smtClean="0"/>
+              <a:t>Postavljanje slika</a:t>
             </a:r>
           </a:p>
           <a:p>
             <a:pPr marL="0" indent="0">
               <a:buNone/>
             </a:pPr>
-            <a:endParaRPr lang="hr-HR" dirty="0"/>
+            <a:endParaRPr lang="hr-HR" dirty="0" smtClean="0"/>
           </a:p>
         </p:txBody>
       </p:sp>
@@ -785,7 +845,7 @@
     </p:spTree>
     <p:extLst>
       <p:ext uri="{BB962C8B-B14F-4D97-AF65-F5344CB8AC3E}">
-        <p14:creationId xmlns:p14="http://schemas.microsoft.com/office/powerpoint/2010/main" val="97437912"/>
+        <p14:creationId xmlns:p14="http://schemas.microsoft.com/office/powerpoint/2010/main" val="415508784"/>
       </p:ext>
     </p:extLst>
   </p:cSld>
@@ -839,68 +899,25 @@
           <a:bodyPr/>
           <a:lstStyle/>
           <a:p>
-            <a:pPr marL="228600" indent="-228600">
-              <a:buAutoNum type="arabicPeriod"/>
-            </a:pPr>
+            <a:r>
+              <a:rPr lang="hr-HR" dirty="0" err="1" smtClean="0"/>
+              <a:t>Ugl</a:t>
+            </a:r>
             <a:r>
               <a:rPr lang="hr-HR" dirty="0" smtClean="0"/>
-              <a:t>Definicija kategorija</a:t>
+              <a:t> vezani za neki oglas</a:t>
+            </a:r>
+          </a:p>
+          <a:p>
+            <a:r>
+              <a:rPr lang="hr-HR" dirty="0" smtClean="0"/>
+              <a:t>Može poslati i neregistrirani</a:t>
             </a:r>
             <a:r>
               <a:rPr lang="hr-HR" baseline="0" dirty="0" smtClean="0"/>
-              <a:t> – prikaz i pretraga</a:t>
-            </a:r>
-          </a:p>
-          <a:p>
-            <a:pPr marL="228600" indent="-228600">
-              <a:buAutoNum type="arabicPeriod"/>
-            </a:pPr>
-            <a:r>
-              <a:rPr lang="hr-HR" baseline="0" dirty="0" smtClean="0"/>
-              <a:t>Dodavanje oglasa</a:t>
-            </a:r>
-          </a:p>
-          <a:p>
-            <a:pPr marL="228600" indent="-228600">
-              <a:buAutoNum type="arabicPeriod"/>
-            </a:pPr>
-            <a:r>
-              <a:rPr lang="hr-HR" baseline="0" dirty="0" smtClean="0"/>
-              <a:t>Naručivanje – kreira se košarica</a:t>
-            </a:r>
-          </a:p>
-          <a:p>
-            <a:pPr marL="228600" indent="-228600">
-              <a:buAutoNum type="arabicPeriod"/>
-            </a:pPr>
-            <a:r>
-              <a:rPr lang="hr-HR" baseline="0" dirty="0" smtClean="0"/>
-              <a:t>Dodavanje narudžbi</a:t>
-            </a:r>
-          </a:p>
-          <a:p>
-            <a:pPr marL="228600" indent="-228600">
-              <a:buAutoNum type="arabicPeriod"/>
-            </a:pPr>
-            <a:r>
-              <a:rPr lang="hr-HR" baseline="0" dirty="0" smtClean="0"/>
-              <a:t>Samo reg. Korisnici kupuju</a:t>
-            </a:r>
-          </a:p>
-          <a:p>
-            <a:pPr marL="228600" indent="-228600">
-              <a:buAutoNum type="arabicPeriod"/>
-            </a:pPr>
-            <a:r>
-              <a:rPr lang="hr-HR" baseline="0" dirty="0" smtClean="0"/>
-              <a:t>Postavljanje slika</a:t>
-            </a:r>
-          </a:p>
-          <a:p>
-            <a:pPr marL="0" indent="0">
-              <a:buNone/>
-            </a:pPr>
-            <a:endParaRPr lang="hr-HR" dirty="0" smtClean="0"/>
+              <a:t> korisnik</a:t>
+            </a:r>
+            <a:endParaRPr lang="hr-HR" dirty="0"/>
           </a:p>
         </p:txBody>
       </p:sp>
@@ -930,7 +947,7 @@
     </p:spTree>
     <p:extLst>
       <p:ext uri="{BB962C8B-B14F-4D97-AF65-F5344CB8AC3E}">
-        <p14:creationId xmlns:p14="http://schemas.microsoft.com/office/powerpoint/2010/main" val="415508784"/>
+        <p14:creationId xmlns:p14="http://schemas.microsoft.com/office/powerpoint/2010/main" val="3787872309"/>
       </p:ext>
     </p:extLst>
   </p:cSld>
@@ -986,108 +1003,6 @@
           <a:p>
             <a:r>
               <a:rPr lang="hr-HR" dirty="0" err="1" smtClean="0"/>
-              <a:t>Ugl</a:t>
-            </a:r>
-            <a:r>
-              <a:rPr lang="hr-HR" dirty="0" smtClean="0"/>
-              <a:t> vezani za neki oglas</a:t>
-            </a:r>
-          </a:p>
-          <a:p>
-            <a:r>
-              <a:rPr lang="hr-HR" dirty="0" smtClean="0"/>
-              <a:t>Može poslati i neregistrirani</a:t>
-            </a:r>
-            <a:r>
-              <a:rPr lang="hr-HR" baseline="0" dirty="0" smtClean="0"/>
-              <a:t> korisnik</a:t>
-            </a:r>
-            <a:endParaRPr lang="hr-HR" dirty="0"/>
-          </a:p>
-        </p:txBody>
-      </p:sp>
-      <p:sp>
-        <p:nvSpPr>
-          <p:cNvPr id="4" name="Rezervirano mjesto broja slajda 3"/>
-          <p:cNvSpPr>
-            <a:spLocks noGrp="1"/>
-          </p:cNvSpPr>
-          <p:nvPr>
-            <p:ph type="sldNum" sz="quarter" idx="10"/>
-          </p:nvPr>
-        </p:nvSpPr>
-        <p:spPr/>
-        <p:txBody>
-          <a:bodyPr/>
-          <a:lstStyle/>
-          <a:p>
-            <a:fld id="{F2C47BC1-6C31-4774-980D-84DD62C3A651}" type="slidenum">
-              <a:rPr lang="hr-HR" smtClean="0"/>
-              <a:t>8</a:t>
-            </a:fld>
-            <a:endParaRPr lang="hr-HR"/>
-          </a:p>
-        </p:txBody>
-      </p:sp>
-    </p:spTree>
-    <p:extLst>
-      <p:ext uri="{BB962C8B-B14F-4D97-AF65-F5344CB8AC3E}">
-        <p14:creationId xmlns:p14="http://schemas.microsoft.com/office/powerpoint/2010/main" val="3787872309"/>
-      </p:ext>
-    </p:extLst>
-  </p:cSld>
-  <p:clrMapOvr>
-    <a:masterClrMapping/>
-  </p:clrMapOvr>
-</p:notes>
-</file>
-
-<file path=ppt/notesSlides/notesSlide6.xml><?xml version="1.0" encoding="utf-8"?>
-<p:notes xmlns:a="http://schemas.openxmlformats.org/drawingml/2006/main" xmlns:r="http://schemas.openxmlformats.org/officeDocument/2006/relationships" xmlns:p="http://schemas.openxmlformats.org/presentationml/2006/main">
-  <p:cSld>
-    <p:spTree>
-      <p:nvGrpSpPr>
-        <p:cNvPr id="1" name=""/>
-        <p:cNvGrpSpPr/>
-        <p:nvPr/>
-      </p:nvGrpSpPr>
-      <p:grpSpPr>
-        <a:xfrm>
-          <a:off x="0" y="0"/>
-          <a:ext cx="0" cy="0"/>
-          <a:chOff x="0" y="0"/>
-          <a:chExt cx="0" cy="0"/>
-        </a:xfrm>
-      </p:grpSpPr>
-      <p:sp>
-        <p:nvSpPr>
-          <p:cNvPr id="2" name="Rezervirano mjesto slike slajda 1"/>
-          <p:cNvSpPr>
-            <a:spLocks noGrp="1" noRot="1" noChangeAspect="1"/>
-          </p:cNvSpPr>
-          <p:nvPr>
-            <p:ph type="sldImg"/>
-          </p:nvPr>
-        </p:nvSpPr>
-        <p:spPr/>
-      </p:sp>
-      <p:sp>
-        <p:nvSpPr>
-          <p:cNvPr id="3" name="Rezervirano mjesto bilježaka 2"/>
-          <p:cNvSpPr>
-            <a:spLocks noGrp="1"/>
-          </p:cNvSpPr>
-          <p:nvPr>
-            <p:ph type="body" idx="1"/>
-          </p:nvPr>
-        </p:nvSpPr>
-        <p:spPr/>
-        <p:txBody>
-          <a:bodyPr/>
-          <a:lstStyle/>
-          <a:p>
-            <a:r>
-              <a:rPr lang="hr-HR" dirty="0" err="1" smtClean="0"/>
               <a:t>Izgenerirane</a:t>
             </a:r>
             <a:r>
@@ -1115,7 +1030,7 @@
           <a:p>
             <a:fld id="{F2C47BC1-6C31-4774-980D-84DD62C3A651}" type="slidenum">
               <a:rPr lang="hr-HR" smtClean="0"/>
-              <a:t>10</a:t>
+              <a:t>9</a:t>
             </a:fld>
             <a:endParaRPr lang="hr-HR"/>
           </a:p>
@@ -1879,7 +1794,7 @@
           <a:p>
             <a:fld id="{40DB6C92-EC61-4AA9-94B8-443198583012}" type="datetimeFigureOut">
               <a:rPr lang="hr-HR" smtClean="0"/>
-              <a:t>27.3.2015.</a:t>
+              <a:t>17.4.2015.</a:t>
             </a:fld>
             <a:endParaRPr lang="hr-HR"/>
           </a:p>
@@ -2133,7 +2048,7 @@
           <a:p>
             <a:fld id="{40DB6C92-EC61-4AA9-94B8-443198583012}" type="datetimeFigureOut">
               <a:rPr lang="hr-HR" smtClean="0"/>
-              <a:t>27.3.2015.</a:t>
+              <a:t>17.4.2015.</a:t>
             </a:fld>
             <a:endParaRPr lang="hr-HR"/>
           </a:p>
@@ -2450,7 +2365,7 @@
           <a:p>
             <a:fld id="{40DB6C92-EC61-4AA9-94B8-443198583012}" type="datetimeFigureOut">
               <a:rPr lang="hr-HR" smtClean="0"/>
-              <a:t>27.3.2015.</a:t>
+              <a:t>17.4.2015.</a:t>
             </a:fld>
             <a:endParaRPr lang="hr-HR"/>
           </a:p>
@@ -2786,7 +2701,7 @@
           <a:p>
             <a:fld id="{40DB6C92-EC61-4AA9-94B8-443198583012}" type="datetimeFigureOut">
               <a:rPr lang="hr-HR" smtClean="0"/>
-              <a:t>27.3.2015.</a:t>
+              <a:t>17.4.2015.</a:t>
             </a:fld>
             <a:endParaRPr lang="hr-HR"/>
           </a:p>
@@ -3103,7 +3018,7 @@
           <a:p>
             <a:fld id="{40DB6C92-EC61-4AA9-94B8-443198583012}" type="datetimeFigureOut">
               <a:rPr lang="hr-HR" smtClean="0"/>
-              <a:t>27.3.2015.</a:t>
+              <a:t>17.4.2015.</a:t>
             </a:fld>
             <a:endParaRPr lang="hr-HR"/>
           </a:p>
@@ -3499,7 +3414,7 @@
           <a:p>
             <a:fld id="{40DB6C92-EC61-4AA9-94B8-443198583012}" type="datetimeFigureOut">
               <a:rPr lang="hr-HR" smtClean="0"/>
-              <a:t>27.3.2015.</a:t>
+              <a:t>17.4.2015.</a:t>
             </a:fld>
             <a:endParaRPr lang="hr-HR"/>
           </a:p>
@@ -3672,7 +3587,7 @@
           <a:p>
             <a:fld id="{40DB6C92-EC61-4AA9-94B8-443198583012}" type="datetimeFigureOut">
               <a:rPr lang="hr-HR" smtClean="0"/>
-              <a:t>27.3.2015.</a:t>
+              <a:t>17.4.2015.</a:t>
             </a:fld>
             <a:endParaRPr lang="hr-HR"/>
           </a:p>
@@ -3855,7 +3770,7 @@
           <a:p>
             <a:fld id="{40DB6C92-EC61-4AA9-94B8-443198583012}" type="datetimeFigureOut">
               <a:rPr lang="hr-HR" smtClean="0"/>
-              <a:t>27.3.2015.</a:t>
+              <a:t>17.4.2015.</a:t>
             </a:fld>
             <a:endParaRPr lang="hr-HR"/>
           </a:p>
@@ -4028,7 +3943,7 @@
           <a:p>
             <a:fld id="{40DB6C92-EC61-4AA9-94B8-443198583012}" type="datetimeFigureOut">
               <a:rPr lang="hr-HR" smtClean="0"/>
-              <a:t>27.3.2015.</a:t>
+              <a:t>17.4.2015.</a:t>
             </a:fld>
             <a:endParaRPr lang="hr-HR"/>
           </a:p>
@@ -4278,7 +4193,7 @@
           <a:p>
             <a:fld id="{40DB6C92-EC61-4AA9-94B8-443198583012}" type="datetimeFigureOut">
               <a:rPr lang="hr-HR" smtClean="0"/>
-              <a:t>27.3.2015.</a:t>
+              <a:t>17.4.2015.</a:t>
             </a:fld>
             <a:endParaRPr lang="hr-HR"/>
           </a:p>
@@ -4513,7 +4428,7 @@
           <a:p>
             <a:fld id="{40DB6C92-EC61-4AA9-94B8-443198583012}" type="datetimeFigureOut">
               <a:rPr lang="hr-HR" smtClean="0"/>
-              <a:t>27.3.2015.</a:t>
+              <a:t>17.4.2015.</a:t>
             </a:fld>
             <a:endParaRPr lang="hr-HR"/>
           </a:p>
@@ -4890,7 +4805,7 @@
           <a:p>
             <a:fld id="{40DB6C92-EC61-4AA9-94B8-443198583012}" type="datetimeFigureOut">
               <a:rPr lang="hr-HR" smtClean="0"/>
-              <a:t>27.3.2015.</a:t>
+              <a:t>17.4.2015.</a:t>
             </a:fld>
             <a:endParaRPr lang="hr-HR"/>
           </a:p>
@@ -5016,7 +4931,7 @@
           <a:p>
             <a:fld id="{40DB6C92-EC61-4AA9-94B8-443198583012}" type="datetimeFigureOut">
               <a:rPr lang="hr-HR" smtClean="0"/>
-              <a:t>27.3.2015.</a:t>
+              <a:t>17.4.2015.</a:t>
             </a:fld>
             <a:endParaRPr lang="hr-HR"/>
           </a:p>
@@ -5114,7 +5029,7 @@
           <a:p>
             <a:fld id="{40DB6C92-EC61-4AA9-94B8-443198583012}" type="datetimeFigureOut">
               <a:rPr lang="hr-HR" smtClean="0"/>
-              <a:t>27.3.2015.</a:t>
+              <a:t>17.4.2015.</a:t>
             </a:fld>
             <a:endParaRPr lang="hr-HR"/>
           </a:p>
@@ -5372,7 +5287,7 @@
           <a:p>
             <a:fld id="{40DB6C92-EC61-4AA9-94B8-443198583012}" type="datetimeFigureOut">
               <a:rPr lang="hr-HR" smtClean="0"/>
-              <a:t>27.3.2015.</a:t>
+              <a:t>17.4.2015.</a:t>
             </a:fld>
             <a:endParaRPr lang="hr-HR"/>
           </a:p>
@@ -5680,7 +5595,7 @@
           <a:p>
             <a:fld id="{40DB6C92-EC61-4AA9-94B8-443198583012}" type="datetimeFigureOut">
               <a:rPr lang="hr-HR" smtClean="0"/>
-              <a:t>27.3.2015.</a:t>
+              <a:t>17.4.2015.</a:t>
             </a:fld>
             <a:endParaRPr lang="hr-HR"/>
           </a:p>
@@ -6385,7 +6300,7 @@
           <a:p>
             <a:fld id="{40DB6C92-EC61-4AA9-94B8-443198583012}" type="datetimeFigureOut">
               <a:rPr lang="hr-HR" smtClean="0"/>
-              <a:t>27.3.2015.</a:t>
+              <a:t>17.4.2015.</a:t>
             </a:fld>
             <a:endParaRPr lang="hr-HR"/>
           </a:p>
@@ -7006,76 +6921,7 @@
 </file>
 
 <file path=ppt/slides/slide10.xml><?xml version="1.0" encoding="utf-8"?>
-<p:sld xmlns:a="http://schemas.openxmlformats.org/drawingml/2006/main" xmlns:r="http://schemas.openxmlformats.org/officeDocument/2006/relationships" xmlns:p="http://schemas.openxmlformats.org/presentationml/2006/main" showMasterSp="0">
-  <p:cSld>
-    <p:spTree>
-      <p:nvGrpSpPr>
-        <p:cNvPr id="1" name=""/>
-        <p:cNvGrpSpPr/>
-        <p:nvPr/>
-      </p:nvGrpSpPr>
-      <p:grpSpPr>
-        <a:xfrm>
-          <a:off x="0" y="0"/>
-          <a:ext cx="0" cy="0"/>
-          <a:chOff x="0" y="0"/>
-          <a:chExt cx="0" cy="0"/>
-        </a:xfrm>
-      </p:grpSpPr>
-      <p:pic>
-        <p:nvPicPr>
-          <p:cNvPr id="5" name="Rezervirano mjesto sadržaja 4"/>
-          <p:cNvPicPr>
-            <a:picLocks noGrp="1" noChangeAspect="1"/>
-          </p:cNvPicPr>
-          <p:nvPr>
-            <p:ph idx="1"/>
-          </p:nvPr>
-        </p:nvPicPr>
-        <p:blipFill>
-          <a:blip r:embed="rId3">
-            <a:extLst>
-              <a:ext uri="{28A0092B-C50C-407E-A947-70E740481C1C}">
-                <a14:useLocalDpi xmlns:a14="http://schemas.microsoft.com/office/drawing/2010/main" val="0"/>
-              </a:ext>
-            </a:extLst>
-          </a:blip>
-          <a:stretch>
-            <a:fillRect/>
-          </a:stretch>
-        </p:blipFill>
-        <p:spPr>
-          <a:xfrm>
-            <a:off x="1171747" y="0"/>
-            <a:ext cx="9608895" cy="6858000"/>
-          </a:xfrm>
-        </p:spPr>
-      </p:pic>
-    </p:spTree>
-    <p:extLst>
-      <p:ext uri="{BB962C8B-B14F-4D97-AF65-F5344CB8AC3E}">
-        <p14:creationId xmlns:p14="http://schemas.microsoft.com/office/powerpoint/2010/main" val="157392596"/>
-      </p:ext>
-    </p:extLst>
-  </p:cSld>
-  <p:clrMapOvr>
-    <a:masterClrMapping/>
-  </p:clrMapOvr>
-  <p:transition>
-    <p:fade/>
-  </p:transition>
-  <p:timing>
-    <p:tnLst>
-      <p:par>
-        <p:cTn id="1" dur="indefinite" restart="never" nodeType="tmRoot"/>
-      </p:par>
-    </p:tnLst>
-  </p:timing>
-</p:sld>
-</file>
-
-<file path=ppt/slides/slide11.xml><?xml version="1.0" encoding="utf-8"?>
-<p:sld xmlns:a="http://schemas.openxmlformats.org/drawingml/2006/main" xmlns:r="http://schemas.openxmlformats.org/officeDocument/2006/relationships" xmlns:p="http://schemas.openxmlformats.org/presentationml/2006/main">
+<p:sld xmlns:a="http://schemas.openxmlformats.org/drawingml/2006/main" xmlns:r="http://schemas.openxmlformats.org/officeDocument/2006/relationships" xmlns:p="http://schemas.openxmlformats.org/presentationml/2006/main" show="0">
   <p:cSld>
     <p:spTree>
       <p:nvGrpSpPr>
@@ -7157,69 +7003,6 @@
 </file>
 
 <file path=ppt/slides/slide2.xml><?xml version="1.0" encoding="utf-8"?>
-<p:sld xmlns:a="http://schemas.openxmlformats.org/drawingml/2006/main" xmlns:r="http://schemas.openxmlformats.org/officeDocument/2006/relationships" xmlns:p="http://schemas.openxmlformats.org/presentationml/2006/main">
-  <p:cSld>
-    <p:spTree>
-      <p:nvGrpSpPr>
-        <p:cNvPr id="1" name=""/>
-        <p:cNvGrpSpPr/>
-        <p:nvPr/>
-      </p:nvGrpSpPr>
-      <p:grpSpPr>
-        <a:xfrm>
-          <a:off x="0" y="0"/>
-          <a:ext cx="0" cy="0"/>
-          <a:chOff x="0" y="0"/>
-          <a:chExt cx="0" cy="0"/>
-        </a:xfrm>
-      </p:grpSpPr>
-      <p:sp>
-        <p:nvSpPr>
-          <p:cNvPr id="2" name="Naslov 1"/>
-          <p:cNvSpPr>
-            <a:spLocks noGrp="1"/>
-          </p:cNvSpPr>
-          <p:nvPr>
-            <p:ph type="title"/>
-          </p:nvPr>
-        </p:nvSpPr>
-        <p:spPr/>
-        <p:txBody>
-          <a:bodyPr/>
-          <a:lstStyle/>
-          <a:p>
-            <a:r>
-              <a:rPr lang="hr-HR" dirty="0" smtClean="0"/>
-              <a:t>Pregled tablica po skupinama</a:t>
-            </a:r>
-            <a:endParaRPr lang="hr-HR" dirty="0"/>
-          </a:p>
-        </p:txBody>
-      </p:sp>
-    </p:spTree>
-    <p:extLst>
-      <p:ext uri="{BB962C8B-B14F-4D97-AF65-F5344CB8AC3E}">
-        <p14:creationId xmlns:p14="http://schemas.microsoft.com/office/powerpoint/2010/main" val="2138103601"/>
-      </p:ext>
-    </p:extLst>
-  </p:cSld>
-  <p:clrMapOvr>
-    <a:masterClrMapping/>
-  </p:clrMapOvr>
-  <p:transition>
-    <p:fade/>
-  </p:transition>
-  <p:timing>
-    <p:tnLst>
-      <p:par>
-        <p:cTn id="1" dur="indefinite" restart="never" nodeType="tmRoot"/>
-      </p:par>
-    </p:tnLst>
-  </p:timing>
-</p:sld>
-</file>
-
-<file path=ppt/slides/slide3.xml><?xml version="1.0" encoding="utf-8"?>
 <p:sld xmlns:a="http://schemas.openxmlformats.org/drawingml/2006/main" xmlns:r="http://schemas.openxmlformats.org/officeDocument/2006/relationships" xmlns:p="http://schemas.openxmlformats.org/presentationml/2006/main" showMasterSp="0">
   <p:cSld>
     <p:bg>
@@ -7262,13 +7045,13 @@
               </a:ext>
             </a:extLst>
           </a:blip>
-          <a:srcRect l="3112" t="10805" r="3990" b="4645"/>
+          <a:srcRect l="3730" t="8030" r="3621" b="1686"/>
           <a:stretch/>
         </p:blipFill>
         <p:spPr>
           <a:xfrm>
-            <a:off x="987552" y="0"/>
-            <a:ext cx="10348506" cy="6858000"/>
+            <a:off x="1176728" y="0"/>
+            <a:ext cx="9571872" cy="6733845"/>
           </a:xfrm>
           <a:prstGeom prst="rect">
             <a:avLst/>
@@ -7303,7 +7086,7 @@
             <a:pPr algn="r"/>
             <a:r>
               <a:rPr lang="hr-HR" dirty="0" smtClean="0"/>
-              <a:t>Kompletni inicijalni model</a:t>
+              <a:t>Kompletni model</a:t>
             </a:r>
             <a:endParaRPr lang="hr-HR" dirty="0"/>
           </a:p>
@@ -7332,8 +7115,8 @@
 </p:sld>
 </file>
 
-<file path=ppt/slides/slide4.xml><?xml version="1.0" encoding="utf-8"?>
-<p:sld xmlns:a="http://schemas.openxmlformats.org/drawingml/2006/main" xmlns:r="http://schemas.openxmlformats.org/officeDocument/2006/relationships" xmlns:p="http://schemas.openxmlformats.org/presentationml/2006/main" showMasterSp="0">
+<file path=ppt/slides/slide3.xml><?xml version="1.0" encoding="utf-8"?>
+<p:sld xmlns:a="http://schemas.openxmlformats.org/drawingml/2006/main" xmlns:r="http://schemas.openxmlformats.org/officeDocument/2006/relationships" xmlns:p="http://schemas.openxmlformats.org/presentationml/2006/main">
   <p:cSld>
     <p:spTree>
       <p:nvGrpSpPr>
@@ -7349,42 +7132,6 @@
           <a:chExt cx="0" cy="0"/>
         </a:xfrm>
       </p:grpSpPr>
-      <p:pic>
-        <p:nvPicPr>
-          <p:cNvPr id="4" name="Rezervirano mjesto sadržaja 3"/>
-          <p:cNvPicPr>
-            <a:picLocks noGrp="1" noChangeAspect="1"/>
-          </p:cNvPicPr>
-          <p:nvPr>
-            <p:ph idx="1"/>
-          </p:nvPr>
-        </p:nvPicPr>
-        <p:blipFill rotWithShape="1">
-          <a:blip r:embed="rId3" cstate="print">
-            <a:extLst>
-              <a:ext uri="{28A0092B-C50C-407E-A947-70E740481C1C}">
-                <a14:useLocalDpi xmlns:a14="http://schemas.microsoft.com/office/drawing/2010/main" val="0"/>
-              </a:ext>
-            </a:extLst>
-          </a:blip>
-          <a:srcRect l="3112" t="10805" r="44709" b="38617"/>
-          <a:stretch/>
-        </p:blipFill>
-        <p:spPr>
-          <a:xfrm>
-            <a:off x="1157966" y="0"/>
-            <a:ext cx="9716770" cy="6858000"/>
-          </a:xfrm>
-          <a:prstGeom prst="rect">
-            <a:avLst/>
-          </a:prstGeom>
-          <a:noFill/>
-          <a:ln>
-            <a:noFill/>
-          </a:ln>
-          <a:effectLst/>
-        </p:spPr>
-      </p:pic>
       <p:sp>
         <p:nvSpPr>
           <p:cNvPr id="2" name="Naslov 1"/>
@@ -7395,24 +7142,14 @@
             <p:ph type="title"/>
           </p:nvPr>
         </p:nvSpPr>
-        <p:spPr>
-          <a:xfrm>
-            <a:off x="372534" y="365760"/>
-            <a:ext cx="10279164" cy="1320800"/>
-          </a:xfrm>
-        </p:spPr>
+        <p:spPr/>
         <p:txBody>
           <a:bodyPr/>
           <a:lstStyle/>
           <a:p>
-            <a:pPr algn="r"/>
             <a:r>
               <a:rPr lang="hr-HR" dirty="0" smtClean="0"/>
-              <a:t>ASP </a:t>
-            </a:r>
-            <a:r>
-              <a:rPr lang="hr-HR" dirty="0" err="1" smtClean="0"/>
-              <a:t>Identity</a:t>
+              <a:t>Pregled tablica po skupinama</a:t>
             </a:r>
             <a:endParaRPr lang="hr-HR" dirty="0"/>
           </a:p>
@@ -7421,7 +7158,7 @@
     </p:spTree>
     <p:extLst>
       <p:ext uri="{BB962C8B-B14F-4D97-AF65-F5344CB8AC3E}">
-        <p14:creationId xmlns:p14="http://schemas.microsoft.com/office/powerpoint/2010/main" val="2034296350"/>
+        <p14:creationId xmlns:p14="http://schemas.microsoft.com/office/powerpoint/2010/main" val="2138103601"/>
       </p:ext>
     </p:extLst>
   </p:cSld>
@@ -7441,7 +7178,7 @@
 </p:sld>
 </file>
 
-<file path=ppt/slides/slide5.xml><?xml version="1.0" encoding="utf-8"?>
+<file path=ppt/slides/slide4.xml><?xml version="1.0" encoding="utf-8"?>
 <p:sld xmlns:a="http://schemas.openxmlformats.org/drawingml/2006/main" xmlns:r="http://schemas.openxmlformats.org/officeDocument/2006/relationships" xmlns:p="http://schemas.openxmlformats.org/presentationml/2006/main" showMasterSp="0">
   <p:cSld>
     <p:spTree>
@@ -7511,6 +7248,76 @@
 </p:sld>
 </file>
 
+<file path=ppt/slides/slide5.xml><?xml version="1.0" encoding="utf-8"?>
+<p:sld xmlns:a="http://schemas.openxmlformats.org/drawingml/2006/main" xmlns:r="http://schemas.openxmlformats.org/officeDocument/2006/relationships" xmlns:p="http://schemas.openxmlformats.org/presentationml/2006/main" showMasterSp="0">
+  <p:cSld>
+    <p:spTree>
+      <p:nvGrpSpPr>
+        <p:cNvPr id="1" name=""/>
+        <p:cNvGrpSpPr/>
+        <p:nvPr/>
+      </p:nvGrpSpPr>
+      <p:grpSpPr>
+        <a:xfrm>
+          <a:off x="0" y="0"/>
+          <a:ext cx="0" cy="0"/>
+          <a:chOff x="0" y="0"/>
+          <a:chExt cx="0" cy="0"/>
+        </a:xfrm>
+      </p:grpSpPr>
+      <p:pic>
+        <p:nvPicPr>
+          <p:cNvPr id="4" name="Slika 3"/>
+          <p:cNvPicPr>
+            <a:picLocks noChangeAspect="1"/>
+          </p:cNvPicPr>
+          <p:nvPr/>
+        </p:nvPicPr>
+        <p:blipFill>
+          <a:blip r:embed="rId3" cstate="print">
+            <a:extLst>
+              <a:ext uri="{28A0092B-C50C-407E-A947-70E740481C1C}">
+                <a14:useLocalDpi xmlns:a14="http://schemas.microsoft.com/office/drawing/2010/main" val="0"/>
+              </a:ext>
+            </a:extLst>
+          </a:blip>
+          <a:stretch>
+            <a:fillRect/>
+          </a:stretch>
+        </p:blipFill>
+        <p:spPr>
+          <a:xfrm>
+            <a:off x="1572656" y="103909"/>
+            <a:ext cx="9514445" cy="6602583"/>
+          </a:xfrm>
+          <a:prstGeom prst="rect">
+            <a:avLst/>
+          </a:prstGeom>
+        </p:spPr>
+      </p:pic>
+    </p:spTree>
+    <p:extLst>
+      <p:ext uri="{BB962C8B-B14F-4D97-AF65-F5344CB8AC3E}">
+        <p14:creationId xmlns:p14="http://schemas.microsoft.com/office/powerpoint/2010/main" val="864912365"/>
+      </p:ext>
+    </p:extLst>
+  </p:cSld>
+  <p:clrMapOvr>
+    <a:masterClrMapping/>
+  </p:clrMapOvr>
+  <p:transition>
+    <p:fade/>
+  </p:transition>
+  <p:timing>
+    <p:tnLst>
+      <p:par>
+        <p:cTn id="1" dur="indefinite" restart="never" nodeType="tmRoot"/>
+      </p:par>
+    </p:tnLst>
+  </p:timing>
+</p:sld>
+</file>
+
 <file path=ppt/slides/slide6.xml><?xml version="1.0" encoding="utf-8"?>
 <p:sld xmlns:a="http://schemas.openxmlformats.org/drawingml/2006/main" xmlns:r="http://schemas.openxmlformats.org/officeDocument/2006/relationships" xmlns:p="http://schemas.openxmlformats.org/presentationml/2006/main" showMasterSp="0">
   <p:cSld>
@@ -7528,44 +7335,16 @@
           <a:chExt cx="0" cy="0"/>
         </a:xfrm>
       </p:grpSpPr>
-      <p:sp>
-        <p:nvSpPr>
-          <p:cNvPr id="2" name="Naslov 1"/>
-          <p:cNvSpPr>
-            <a:spLocks noGrp="1"/>
-          </p:cNvSpPr>
-          <p:nvPr>
-            <p:ph type="title"/>
-          </p:nvPr>
-        </p:nvSpPr>
-        <p:spPr>
-          <a:xfrm>
-            <a:off x="335958" y="353568"/>
-            <a:ext cx="8596668" cy="1320800"/>
-          </a:xfrm>
-        </p:spPr>
-        <p:txBody>
-          <a:bodyPr/>
-          <a:lstStyle/>
-          <a:p>
-            <a:r>
-              <a:rPr lang="hr-HR" dirty="0" smtClean="0"/>
-              <a:t>Trgovine</a:t>
-            </a:r>
-            <a:endParaRPr lang="hr-HR" dirty="0"/>
-          </a:p>
-        </p:txBody>
-      </p:sp>
       <p:pic>
         <p:nvPicPr>
-          <p:cNvPr id="4" name="Slika 3"/>
+          <p:cNvPr id="5" name="Slika 4"/>
           <p:cNvPicPr>
             <a:picLocks noChangeAspect="1"/>
           </p:cNvPicPr>
           <p:nvPr/>
         </p:nvPicPr>
         <p:blipFill>
-          <a:blip r:embed="rId3">
+          <a:blip r:embed="rId3" cstate="print">
             <a:extLst>
               <a:ext uri="{28A0092B-C50C-407E-A947-70E740481C1C}">
                 <a14:useLocalDpi xmlns:a14="http://schemas.microsoft.com/office/drawing/2010/main" val="0"/>
@@ -7578,8 +7357,8 @@
         </p:blipFill>
         <p:spPr>
           <a:xfrm>
-            <a:off x="335958" y="1187296"/>
-            <a:ext cx="11486912" cy="4823360"/>
+            <a:off x="342901" y="120782"/>
+            <a:ext cx="11205658" cy="6612527"/>
           </a:xfrm>
           <a:prstGeom prst="rect">
             <a:avLst/>
@@ -7589,7 +7368,7 @@
     </p:spTree>
     <p:extLst>
       <p:ext uri="{BB962C8B-B14F-4D97-AF65-F5344CB8AC3E}">
-        <p14:creationId xmlns:p14="http://schemas.microsoft.com/office/powerpoint/2010/main" val="864912365"/>
+        <p14:creationId xmlns:p14="http://schemas.microsoft.com/office/powerpoint/2010/main" val="3322388555"/>
       </p:ext>
     </p:extLst>
   </p:cSld>
@@ -7626,104 +7405,6 @@
           <a:chExt cx="0" cy="0"/>
         </a:xfrm>
       </p:grpSpPr>
-      <p:sp>
-        <p:nvSpPr>
-          <p:cNvPr id="4" name="Naslov 1"/>
-          <p:cNvSpPr>
-            <a:spLocks noGrp="1"/>
-          </p:cNvSpPr>
-          <p:nvPr>
-            <p:ph type="title"/>
-          </p:nvPr>
-        </p:nvSpPr>
-        <p:spPr>
-          <a:xfrm>
-            <a:off x="335958" y="353568"/>
-            <a:ext cx="8596668" cy="1320800"/>
-          </a:xfrm>
-        </p:spPr>
-        <p:txBody>
-          <a:bodyPr/>
-          <a:lstStyle/>
-          <a:p>
-            <a:r>
-              <a:rPr lang="hr-HR" dirty="0" smtClean="0"/>
-              <a:t>Oglašavanje i naručivanje</a:t>
-            </a:r>
-            <a:endParaRPr lang="hr-HR" dirty="0"/>
-          </a:p>
-        </p:txBody>
-      </p:sp>
-      <p:pic>
-        <p:nvPicPr>
-          <p:cNvPr id="5" name="Slika 4"/>
-          <p:cNvPicPr>
-            <a:picLocks noChangeAspect="1"/>
-          </p:cNvPicPr>
-          <p:nvPr/>
-        </p:nvPicPr>
-        <p:blipFill>
-          <a:blip r:embed="rId3">
-            <a:extLst>
-              <a:ext uri="{28A0092B-C50C-407E-A947-70E740481C1C}">
-                <a14:useLocalDpi xmlns:a14="http://schemas.microsoft.com/office/drawing/2010/main" val="0"/>
-              </a:ext>
-            </a:extLst>
-          </a:blip>
-          <a:stretch>
-            <a:fillRect/>
-          </a:stretch>
-        </p:blipFill>
-        <p:spPr>
-          <a:xfrm>
-            <a:off x="238422" y="1245616"/>
-            <a:ext cx="11633958" cy="5106416"/>
-          </a:xfrm>
-          <a:prstGeom prst="rect">
-            <a:avLst/>
-          </a:prstGeom>
-        </p:spPr>
-      </p:pic>
-    </p:spTree>
-    <p:extLst>
-      <p:ext uri="{BB962C8B-B14F-4D97-AF65-F5344CB8AC3E}">
-        <p14:creationId xmlns:p14="http://schemas.microsoft.com/office/powerpoint/2010/main" val="3322388555"/>
-      </p:ext>
-    </p:extLst>
-  </p:cSld>
-  <p:clrMapOvr>
-    <a:masterClrMapping/>
-  </p:clrMapOvr>
-  <p:transition>
-    <p:fade/>
-  </p:transition>
-  <p:timing>
-    <p:tnLst>
-      <p:par>
-        <p:cTn id="1" dur="indefinite" restart="never" nodeType="tmRoot"/>
-      </p:par>
-    </p:tnLst>
-  </p:timing>
-</p:sld>
-</file>
-
-<file path=ppt/slides/slide8.xml><?xml version="1.0" encoding="utf-8"?>
-<p:sld xmlns:a="http://schemas.openxmlformats.org/drawingml/2006/main" xmlns:r="http://schemas.openxmlformats.org/officeDocument/2006/relationships" xmlns:p="http://schemas.openxmlformats.org/presentationml/2006/main" showMasterSp="0">
-  <p:cSld>
-    <p:spTree>
-      <p:nvGrpSpPr>
-        <p:cNvPr id="1" name=""/>
-        <p:cNvGrpSpPr/>
-        <p:nvPr/>
-      </p:nvGrpSpPr>
-      <p:grpSpPr>
-        <a:xfrm>
-          <a:off x="0" y="0"/>
-          <a:ext cx="0" cy="0"/>
-          <a:chOff x="0" y="0"/>
-          <a:chExt cx="0" cy="0"/>
-        </a:xfrm>
-      </p:grpSpPr>
       <p:pic>
         <p:nvPicPr>
           <p:cNvPr id="7" name="Rezervirano mjesto sadržaja 6"/>
@@ -7753,34 +7434,6 @@
           </a:xfrm>
         </p:spPr>
       </p:pic>
-      <p:sp>
-        <p:nvSpPr>
-          <p:cNvPr id="4" name="Naslov 1"/>
-          <p:cNvSpPr>
-            <a:spLocks noGrp="1"/>
-          </p:cNvSpPr>
-          <p:nvPr>
-            <p:ph type="title"/>
-          </p:nvPr>
-        </p:nvSpPr>
-        <p:spPr>
-          <a:xfrm>
-            <a:off x="335958" y="353568"/>
-            <a:ext cx="8596668" cy="1320800"/>
-          </a:xfrm>
-        </p:spPr>
-        <p:txBody>
-          <a:bodyPr/>
-          <a:lstStyle/>
-          <a:p>
-            <a:r>
-              <a:rPr lang="hr-HR" dirty="0" smtClean="0"/>
-              <a:t>Slanje upita</a:t>
-            </a:r>
-            <a:endParaRPr lang="hr-HR" dirty="0"/>
-          </a:p>
-        </p:txBody>
-      </p:sp>
     </p:spTree>
     <p:extLst>
       <p:ext uri="{BB962C8B-B14F-4D97-AF65-F5344CB8AC3E}">
@@ -7804,8 +7457,8 @@
 </p:sld>
 </file>
 
-<file path=ppt/slides/slide9.xml><?xml version="1.0" encoding="utf-8"?>
-<p:sld xmlns:a="http://schemas.openxmlformats.org/drawingml/2006/main" xmlns:r="http://schemas.openxmlformats.org/officeDocument/2006/relationships" xmlns:p="http://schemas.openxmlformats.org/presentationml/2006/main">
+<file path=ppt/slides/slide8.xml><?xml version="1.0" encoding="utf-8"?>
+<p:sld xmlns:a="http://schemas.openxmlformats.org/drawingml/2006/main" xmlns:r="http://schemas.openxmlformats.org/officeDocument/2006/relationships" xmlns:p="http://schemas.openxmlformats.org/presentationml/2006/main" show="0">
   <p:cSld>
     <p:spTree>
       <p:nvGrpSpPr>
@@ -8137,6 +7790,75 @@
       <p:bldP spid="3" grpId="0" build="p"/>
       <p:bldP spid="4" grpId="0"/>
     </p:bldLst>
+  </p:timing>
+</p:sld>
+</file>
+
+<file path=ppt/slides/slide9.xml><?xml version="1.0" encoding="utf-8"?>
+<p:sld xmlns:a="http://schemas.openxmlformats.org/drawingml/2006/main" xmlns:r="http://schemas.openxmlformats.org/officeDocument/2006/relationships" xmlns:p="http://schemas.openxmlformats.org/presentationml/2006/main" showMasterSp="0" show="0">
+  <p:cSld>
+    <p:spTree>
+      <p:nvGrpSpPr>
+        <p:cNvPr id="1" name=""/>
+        <p:cNvGrpSpPr/>
+        <p:nvPr/>
+      </p:nvGrpSpPr>
+      <p:grpSpPr>
+        <a:xfrm>
+          <a:off x="0" y="0"/>
+          <a:ext cx="0" cy="0"/>
+          <a:chOff x="0" y="0"/>
+          <a:chExt cx="0" cy="0"/>
+        </a:xfrm>
+      </p:grpSpPr>
+      <p:pic>
+        <p:nvPicPr>
+          <p:cNvPr id="5" name="Rezervirano mjesto sadržaja 4"/>
+          <p:cNvPicPr>
+            <a:picLocks noGrp="1" noChangeAspect="1"/>
+          </p:cNvPicPr>
+          <p:nvPr>
+            <p:ph idx="1"/>
+          </p:nvPr>
+        </p:nvPicPr>
+        <p:blipFill>
+          <a:blip r:embed="rId3">
+            <a:extLst>
+              <a:ext uri="{28A0092B-C50C-407E-A947-70E740481C1C}">
+                <a14:useLocalDpi xmlns:a14="http://schemas.microsoft.com/office/drawing/2010/main" val="0"/>
+              </a:ext>
+            </a:extLst>
+          </a:blip>
+          <a:stretch>
+            <a:fillRect/>
+          </a:stretch>
+        </p:blipFill>
+        <p:spPr>
+          <a:xfrm>
+            <a:off x="1171747" y="0"/>
+            <a:ext cx="9608895" cy="6858000"/>
+          </a:xfrm>
+        </p:spPr>
+      </p:pic>
+    </p:spTree>
+    <p:extLst>
+      <p:ext uri="{BB962C8B-B14F-4D97-AF65-F5344CB8AC3E}">
+        <p14:creationId xmlns:p14="http://schemas.microsoft.com/office/powerpoint/2010/main" val="157392596"/>
+      </p:ext>
+    </p:extLst>
+  </p:cSld>
+  <p:clrMapOvr>
+    <a:masterClrMapping/>
+  </p:clrMapOvr>
+  <p:transition>
+    <p:fade/>
+  </p:transition>
+  <p:timing>
+    <p:tnLst>
+      <p:par>
+        <p:cTn id="1" dur="indefinite" restart="never" nodeType="tmRoot"/>
+      </p:par>
+    </p:tnLst>
   </p:timing>
 </p:sld>
 </file>
